--- a/CarPrice.pptx
+++ b/CarPrice.pptx
@@ -14,7 +14,6 @@
     <p:sldId id="260" r:id="rId9"/>
     <p:sldId id="261" r:id="rId10"/>
     <p:sldId id="262" r:id="rId11"/>
-    <p:sldId id="263" r:id="rId12"/>
   </p:sldIdLst>
   <p:sldSz cx="10080625" cy="5670550"/>
   <p:notesSz cx="7772400" cy="10058400"/>
@@ -72,8 +71,8 @@
         </p:nvSpPr>
         <p:spPr>
           <a:xfrm>
-            <a:off x="504000" y="216000"/>
-            <a:ext cx="7019640" cy="935640"/>
+            <a:off x="504000" y="226080"/>
+            <a:ext cx="9072000" cy="946440"/>
           </a:xfrm>
           <a:prstGeom prst="rect">
             <a:avLst/>
@@ -103,8 +102,8 @@
         </p:nvSpPr>
         <p:spPr>
           <a:xfrm>
-            <a:off x="504000" y="1368000"/>
-            <a:ext cx="9071640" cy="1568160"/>
+            <a:off x="504000" y="1326600"/>
+            <a:ext cx="9072000" cy="1568520"/>
           </a:xfrm>
           <a:prstGeom prst="rect">
             <a:avLst/>
@@ -133,8 +132,8 @@
         </p:nvSpPr>
         <p:spPr>
           <a:xfrm>
-            <a:off x="504000" y="3085560"/>
-            <a:ext cx="9071640" cy="1568160"/>
+            <a:off x="504000" y="3044520"/>
+            <a:ext cx="9072000" cy="1568520"/>
           </a:xfrm>
           <a:prstGeom prst="rect">
             <a:avLst/>
@@ -185,8 +184,8 @@
         </p:nvSpPr>
         <p:spPr>
           <a:xfrm>
-            <a:off x="504000" y="216000"/>
-            <a:ext cx="7019640" cy="935640"/>
+            <a:off x="504000" y="226080"/>
+            <a:ext cx="9072000" cy="946440"/>
           </a:xfrm>
           <a:prstGeom prst="rect">
             <a:avLst/>
@@ -216,8 +215,8 @@
         </p:nvSpPr>
         <p:spPr>
           <a:xfrm>
-            <a:off x="504000" y="1368000"/>
-            <a:ext cx="4426920" cy="1568160"/>
+            <a:off x="504000" y="1326600"/>
+            <a:ext cx="4426920" cy="1568520"/>
           </a:xfrm>
           <a:prstGeom prst="rect">
             <a:avLst/>
@@ -246,8 +245,8 @@
         </p:nvSpPr>
         <p:spPr>
           <a:xfrm>
-            <a:off x="5152680" y="1368000"/>
-            <a:ext cx="4426920" cy="1568160"/>
+            <a:off x="5152680" y="1326600"/>
+            <a:ext cx="4426920" cy="1568520"/>
           </a:xfrm>
           <a:prstGeom prst="rect">
             <a:avLst/>
@@ -276,8 +275,8 @@
         </p:nvSpPr>
         <p:spPr>
           <a:xfrm>
-            <a:off x="504000" y="3085560"/>
-            <a:ext cx="4426920" cy="1568160"/>
+            <a:off x="504000" y="3044520"/>
+            <a:ext cx="4426920" cy="1568520"/>
           </a:xfrm>
           <a:prstGeom prst="rect">
             <a:avLst/>
@@ -306,8 +305,8 @@
         </p:nvSpPr>
         <p:spPr>
           <a:xfrm>
-            <a:off x="5152680" y="3085560"/>
-            <a:ext cx="4426920" cy="1568160"/>
+            <a:off x="5152680" y="3044520"/>
+            <a:ext cx="4426920" cy="1568520"/>
           </a:xfrm>
           <a:prstGeom prst="rect">
             <a:avLst/>
@@ -358,8 +357,8 @@
         </p:nvSpPr>
         <p:spPr>
           <a:xfrm>
-            <a:off x="504000" y="216000"/>
-            <a:ext cx="7019640" cy="935640"/>
+            <a:off x="504000" y="226080"/>
+            <a:ext cx="9072000" cy="946440"/>
           </a:xfrm>
           <a:prstGeom prst="rect">
             <a:avLst/>
@@ -389,8 +388,8 @@
         </p:nvSpPr>
         <p:spPr>
           <a:xfrm>
-            <a:off x="504000" y="1368000"/>
-            <a:ext cx="2920680" cy="1568160"/>
+            <a:off x="504000" y="1326600"/>
+            <a:ext cx="2921040" cy="1568520"/>
           </a:xfrm>
           <a:prstGeom prst="rect">
             <a:avLst/>
@@ -419,8 +418,8 @@
         </p:nvSpPr>
         <p:spPr>
           <a:xfrm>
-            <a:off x="3571200" y="1368000"/>
-            <a:ext cx="2920680" cy="1568160"/>
+            <a:off x="3571560" y="1326600"/>
+            <a:ext cx="2921040" cy="1568520"/>
           </a:xfrm>
           <a:prstGeom prst="rect">
             <a:avLst/>
@@ -449,8 +448,8 @@
         </p:nvSpPr>
         <p:spPr>
           <a:xfrm>
-            <a:off x="6638040" y="1368000"/>
-            <a:ext cx="2920680" cy="1568160"/>
+            <a:off x="6639120" y="1326600"/>
+            <a:ext cx="2921040" cy="1568520"/>
           </a:xfrm>
           <a:prstGeom prst="rect">
             <a:avLst/>
@@ -479,8 +478,8 @@
         </p:nvSpPr>
         <p:spPr>
           <a:xfrm>
-            <a:off x="504000" y="3085560"/>
-            <a:ext cx="2920680" cy="1568160"/>
+            <a:off x="504000" y="3044520"/>
+            <a:ext cx="2921040" cy="1568520"/>
           </a:xfrm>
           <a:prstGeom prst="rect">
             <a:avLst/>
@@ -509,8 +508,8 @@
         </p:nvSpPr>
         <p:spPr>
           <a:xfrm>
-            <a:off x="3571200" y="3085560"/>
-            <a:ext cx="2920680" cy="1568160"/>
+            <a:off x="3571560" y="3044520"/>
+            <a:ext cx="2921040" cy="1568520"/>
           </a:xfrm>
           <a:prstGeom prst="rect">
             <a:avLst/>
@@ -539,8 +538,8 @@
         </p:nvSpPr>
         <p:spPr>
           <a:xfrm>
-            <a:off x="6638040" y="3085560"/>
-            <a:ext cx="2920680" cy="1568160"/>
+            <a:off x="6639120" y="3044520"/>
+            <a:ext cx="2921040" cy="1568520"/>
           </a:xfrm>
           <a:prstGeom prst="rect">
             <a:avLst/>
@@ -613,8 +612,8 @@
         </p:nvSpPr>
         <p:spPr>
           <a:xfrm>
-            <a:off x="504000" y="216000"/>
-            <a:ext cx="7019640" cy="935640"/>
+            <a:off x="504000" y="226080"/>
+            <a:ext cx="9072000" cy="946440"/>
           </a:xfrm>
           <a:prstGeom prst="rect">
             <a:avLst/>
@@ -644,8 +643,8 @@
         </p:nvSpPr>
         <p:spPr>
           <a:xfrm>
-            <a:off x="504000" y="1368000"/>
-            <a:ext cx="9071640" cy="3287880"/>
+            <a:off x="504000" y="1326600"/>
+            <a:ext cx="9072000" cy="3288600"/>
           </a:xfrm>
           <a:prstGeom prst="rect">
             <a:avLst/>
@@ -697,8 +696,8 @@
         </p:nvSpPr>
         <p:spPr>
           <a:xfrm>
-            <a:off x="504000" y="216000"/>
-            <a:ext cx="7019640" cy="935640"/>
+            <a:off x="504000" y="226080"/>
+            <a:ext cx="9072000" cy="946440"/>
           </a:xfrm>
           <a:prstGeom prst="rect">
             <a:avLst/>
@@ -728,8 +727,8 @@
         </p:nvSpPr>
         <p:spPr>
           <a:xfrm>
-            <a:off x="504000" y="1368000"/>
-            <a:ext cx="9071640" cy="3287880"/>
+            <a:off x="504000" y="1326600"/>
+            <a:ext cx="9072000" cy="3288600"/>
           </a:xfrm>
           <a:prstGeom prst="rect">
             <a:avLst/>
@@ -780,8 +779,8 @@
         </p:nvSpPr>
         <p:spPr>
           <a:xfrm>
-            <a:off x="504000" y="216000"/>
-            <a:ext cx="7019640" cy="935640"/>
+            <a:off x="504000" y="226080"/>
+            <a:ext cx="9072000" cy="946440"/>
           </a:xfrm>
           <a:prstGeom prst="rect">
             <a:avLst/>
@@ -811,8 +810,8 @@
         </p:nvSpPr>
         <p:spPr>
           <a:xfrm>
-            <a:off x="504000" y="1368000"/>
-            <a:ext cx="4426920" cy="3287880"/>
+            <a:off x="504000" y="1326600"/>
+            <a:ext cx="4426920" cy="3288600"/>
           </a:xfrm>
           <a:prstGeom prst="rect">
             <a:avLst/>
@@ -841,8 +840,8 @@
         </p:nvSpPr>
         <p:spPr>
           <a:xfrm>
-            <a:off x="5152680" y="1368000"/>
-            <a:ext cx="4426920" cy="3287880"/>
+            <a:off x="5152680" y="1326600"/>
+            <a:ext cx="4426920" cy="3288600"/>
           </a:xfrm>
           <a:prstGeom prst="rect">
             <a:avLst/>
@@ -893,8 +892,8 @@
         </p:nvSpPr>
         <p:spPr>
           <a:xfrm>
-            <a:off x="504000" y="216000"/>
-            <a:ext cx="7019640" cy="935640"/>
+            <a:off x="504000" y="226080"/>
+            <a:ext cx="9072000" cy="946440"/>
           </a:xfrm>
           <a:prstGeom prst="rect">
             <a:avLst/>
@@ -946,8 +945,8 @@
         </p:nvSpPr>
         <p:spPr>
           <a:xfrm>
-            <a:off x="504000" y="216000"/>
-            <a:ext cx="7019640" cy="4338360"/>
+            <a:off x="504000" y="226080"/>
+            <a:ext cx="9072000" cy="4388400"/>
           </a:xfrm>
           <a:prstGeom prst="rect">
             <a:avLst/>
@@ -999,8 +998,8 @@
         </p:nvSpPr>
         <p:spPr>
           <a:xfrm>
-            <a:off x="504000" y="216000"/>
-            <a:ext cx="7019640" cy="935640"/>
+            <a:off x="504000" y="226080"/>
+            <a:ext cx="9072000" cy="946440"/>
           </a:xfrm>
           <a:prstGeom prst="rect">
             <a:avLst/>
@@ -1030,8 +1029,8 @@
         </p:nvSpPr>
         <p:spPr>
           <a:xfrm>
-            <a:off x="504000" y="1368000"/>
-            <a:ext cx="4426920" cy="1568160"/>
+            <a:off x="504000" y="1326600"/>
+            <a:ext cx="4426920" cy="1568520"/>
           </a:xfrm>
           <a:prstGeom prst="rect">
             <a:avLst/>
@@ -1060,8 +1059,8 @@
         </p:nvSpPr>
         <p:spPr>
           <a:xfrm>
-            <a:off x="5152680" y="1368000"/>
-            <a:ext cx="4426920" cy="3287880"/>
+            <a:off x="5152680" y="1326600"/>
+            <a:ext cx="4426920" cy="3288600"/>
           </a:xfrm>
           <a:prstGeom prst="rect">
             <a:avLst/>
@@ -1090,8 +1089,8 @@
         </p:nvSpPr>
         <p:spPr>
           <a:xfrm>
-            <a:off x="504000" y="3085560"/>
-            <a:ext cx="4426920" cy="1568160"/>
+            <a:off x="504000" y="3044520"/>
+            <a:ext cx="4426920" cy="1568520"/>
           </a:xfrm>
           <a:prstGeom prst="rect">
             <a:avLst/>
@@ -1142,8 +1141,8 @@
         </p:nvSpPr>
         <p:spPr>
           <a:xfrm>
-            <a:off x="504000" y="216000"/>
-            <a:ext cx="7019640" cy="935640"/>
+            <a:off x="504000" y="226080"/>
+            <a:ext cx="9072000" cy="946440"/>
           </a:xfrm>
           <a:prstGeom prst="rect">
             <a:avLst/>
@@ -1173,8 +1172,8 @@
         </p:nvSpPr>
         <p:spPr>
           <a:xfrm>
-            <a:off x="504000" y="1368000"/>
-            <a:ext cx="9071640" cy="3287880"/>
+            <a:off x="504000" y="1326600"/>
+            <a:ext cx="9072000" cy="3288600"/>
           </a:xfrm>
           <a:prstGeom prst="rect">
             <a:avLst/>
@@ -1226,8 +1225,8 @@
         </p:nvSpPr>
         <p:spPr>
           <a:xfrm>
-            <a:off x="504000" y="216000"/>
-            <a:ext cx="7019640" cy="935640"/>
+            <a:off x="504000" y="226080"/>
+            <a:ext cx="9072000" cy="946440"/>
           </a:xfrm>
           <a:prstGeom prst="rect">
             <a:avLst/>
@@ -1257,8 +1256,8 @@
         </p:nvSpPr>
         <p:spPr>
           <a:xfrm>
-            <a:off x="504000" y="1368000"/>
-            <a:ext cx="4426920" cy="3287880"/>
+            <a:off x="504000" y="1326600"/>
+            <a:ext cx="4426920" cy="3288600"/>
           </a:xfrm>
           <a:prstGeom prst="rect">
             <a:avLst/>
@@ -1287,8 +1286,8 @@
         </p:nvSpPr>
         <p:spPr>
           <a:xfrm>
-            <a:off x="5152680" y="1368000"/>
-            <a:ext cx="4426920" cy="1568160"/>
+            <a:off x="5152680" y="1326600"/>
+            <a:ext cx="4426920" cy="1568520"/>
           </a:xfrm>
           <a:prstGeom prst="rect">
             <a:avLst/>
@@ -1317,8 +1316,8 @@
         </p:nvSpPr>
         <p:spPr>
           <a:xfrm>
-            <a:off x="5152680" y="3085560"/>
-            <a:ext cx="4426920" cy="1568160"/>
+            <a:off x="5152680" y="3044520"/>
+            <a:ext cx="4426920" cy="1568520"/>
           </a:xfrm>
           <a:prstGeom prst="rect">
             <a:avLst/>
@@ -1369,8 +1368,8 @@
         </p:nvSpPr>
         <p:spPr>
           <a:xfrm>
-            <a:off x="504000" y="216000"/>
-            <a:ext cx="7019640" cy="935640"/>
+            <a:off x="504000" y="226080"/>
+            <a:ext cx="9072000" cy="946440"/>
           </a:xfrm>
           <a:prstGeom prst="rect">
             <a:avLst/>
@@ -1400,8 +1399,8 @@
         </p:nvSpPr>
         <p:spPr>
           <a:xfrm>
-            <a:off x="504000" y="1368000"/>
-            <a:ext cx="4426920" cy="1568160"/>
+            <a:off x="504000" y="1326600"/>
+            <a:ext cx="4426920" cy="1568520"/>
           </a:xfrm>
           <a:prstGeom prst="rect">
             <a:avLst/>
@@ -1430,8 +1429,8 @@
         </p:nvSpPr>
         <p:spPr>
           <a:xfrm>
-            <a:off x="5152680" y="1368000"/>
-            <a:ext cx="4426920" cy="1568160"/>
+            <a:off x="5152680" y="1326600"/>
+            <a:ext cx="4426920" cy="1568520"/>
           </a:xfrm>
           <a:prstGeom prst="rect">
             <a:avLst/>
@@ -1460,8 +1459,8 @@
         </p:nvSpPr>
         <p:spPr>
           <a:xfrm>
-            <a:off x="504000" y="3085560"/>
-            <a:ext cx="9071640" cy="1568160"/>
+            <a:off x="504000" y="3044520"/>
+            <a:ext cx="9072000" cy="1568520"/>
           </a:xfrm>
           <a:prstGeom prst="rect">
             <a:avLst/>
@@ -1512,8 +1511,8 @@
         </p:nvSpPr>
         <p:spPr>
           <a:xfrm>
-            <a:off x="504000" y="216000"/>
-            <a:ext cx="7019640" cy="935640"/>
+            <a:off x="504000" y="226080"/>
+            <a:ext cx="9072000" cy="946440"/>
           </a:xfrm>
           <a:prstGeom prst="rect">
             <a:avLst/>
@@ -1543,8 +1542,8 @@
         </p:nvSpPr>
         <p:spPr>
           <a:xfrm>
-            <a:off x="504000" y="1368000"/>
-            <a:ext cx="9071640" cy="1568160"/>
+            <a:off x="504000" y="1326600"/>
+            <a:ext cx="9072000" cy="1568520"/>
           </a:xfrm>
           <a:prstGeom prst="rect">
             <a:avLst/>
@@ -1573,8 +1572,8 @@
         </p:nvSpPr>
         <p:spPr>
           <a:xfrm>
-            <a:off x="504000" y="3085560"/>
-            <a:ext cx="9071640" cy="1568160"/>
+            <a:off x="504000" y="3044520"/>
+            <a:ext cx="9072000" cy="1568520"/>
           </a:xfrm>
           <a:prstGeom prst="rect">
             <a:avLst/>
@@ -1625,8 +1624,8 @@
         </p:nvSpPr>
         <p:spPr>
           <a:xfrm>
-            <a:off x="504000" y="216000"/>
-            <a:ext cx="7019640" cy="935640"/>
+            <a:off x="504000" y="226080"/>
+            <a:ext cx="9072000" cy="946440"/>
           </a:xfrm>
           <a:prstGeom prst="rect">
             <a:avLst/>
@@ -1656,8 +1655,8 @@
         </p:nvSpPr>
         <p:spPr>
           <a:xfrm>
-            <a:off x="504000" y="1368000"/>
-            <a:ext cx="4426920" cy="1568160"/>
+            <a:off x="504000" y="1326600"/>
+            <a:ext cx="4426920" cy="1568520"/>
           </a:xfrm>
           <a:prstGeom prst="rect">
             <a:avLst/>
@@ -1686,8 +1685,8 @@
         </p:nvSpPr>
         <p:spPr>
           <a:xfrm>
-            <a:off x="5152680" y="1368000"/>
-            <a:ext cx="4426920" cy="1568160"/>
+            <a:off x="5152680" y="1326600"/>
+            <a:ext cx="4426920" cy="1568520"/>
           </a:xfrm>
           <a:prstGeom prst="rect">
             <a:avLst/>
@@ -1716,8 +1715,8 @@
         </p:nvSpPr>
         <p:spPr>
           <a:xfrm>
-            <a:off x="504000" y="3085560"/>
-            <a:ext cx="4426920" cy="1568160"/>
+            <a:off x="504000" y="3044520"/>
+            <a:ext cx="4426920" cy="1568520"/>
           </a:xfrm>
           <a:prstGeom prst="rect">
             <a:avLst/>
@@ -1746,8 +1745,8 @@
         </p:nvSpPr>
         <p:spPr>
           <a:xfrm>
-            <a:off x="5152680" y="3085560"/>
-            <a:ext cx="4426920" cy="1568160"/>
+            <a:off x="5152680" y="3044520"/>
+            <a:ext cx="4426920" cy="1568520"/>
           </a:xfrm>
           <a:prstGeom prst="rect">
             <a:avLst/>
@@ -1798,8 +1797,8 @@
         </p:nvSpPr>
         <p:spPr>
           <a:xfrm>
-            <a:off x="504000" y="216000"/>
-            <a:ext cx="7019640" cy="935640"/>
+            <a:off x="504000" y="226080"/>
+            <a:ext cx="9072000" cy="946440"/>
           </a:xfrm>
           <a:prstGeom prst="rect">
             <a:avLst/>
@@ -1829,8 +1828,8 @@
         </p:nvSpPr>
         <p:spPr>
           <a:xfrm>
-            <a:off x="504000" y="1368000"/>
-            <a:ext cx="2920680" cy="1568160"/>
+            <a:off x="504000" y="1326600"/>
+            <a:ext cx="2921040" cy="1568520"/>
           </a:xfrm>
           <a:prstGeom prst="rect">
             <a:avLst/>
@@ -1859,8 +1858,8 @@
         </p:nvSpPr>
         <p:spPr>
           <a:xfrm>
-            <a:off x="3571200" y="1368000"/>
-            <a:ext cx="2920680" cy="1568160"/>
+            <a:off x="3571560" y="1326600"/>
+            <a:ext cx="2921040" cy="1568520"/>
           </a:xfrm>
           <a:prstGeom prst="rect">
             <a:avLst/>
@@ -1889,8 +1888,8 @@
         </p:nvSpPr>
         <p:spPr>
           <a:xfrm>
-            <a:off x="6638040" y="1368000"/>
-            <a:ext cx="2920680" cy="1568160"/>
+            <a:off x="6639120" y="1326600"/>
+            <a:ext cx="2921040" cy="1568520"/>
           </a:xfrm>
           <a:prstGeom prst="rect">
             <a:avLst/>
@@ -1919,8 +1918,8 @@
         </p:nvSpPr>
         <p:spPr>
           <a:xfrm>
-            <a:off x="504000" y="3085560"/>
-            <a:ext cx="2920680" cy="1568160"/>
+            <a:off x="504000" y="3044520"/>
+            <a:ext cx="2921040" cy="1568520"/>
           </a:xfrm>
           <a:prstGeom prst="rect">
             <a:avLst/>
@@ -1949,8 +1948,8 @@
         </p:nvSpPr>
         <p:spPr>
           <a:xfrm>
-            <a:off x="3571200" y="3085560"/>
-            <a:ext cx="2920680" cy="1568160"/>
+            <a:off x="3571560" y="3044520"/>
+            <a:ext cx="2921040" cy="1568520"/>
           </a:xfrm>
           <a:prstGeom prst="rect">
             <a:avLst/>
@@ -1979,8 +1978,8 @@
         </p:nvSpPr>
         <p:spPr>
           <a:xfrm>
-            <a:off x="6638040" y="3085560"/>
-            <a:ext cx="2920680" cy="1568160"/>
+            <a:off x="6639120" y="3044520"/>
+            <a:ext cx="2921040" cy="1568520"/>
           </a:xfrm>
           <a:prstGeom prst="rect">
             <a:avLst/>
@@ -2053,8 +2052,8 @@
         </p:nvSpPr>
         <p:spPr>
           <a:xfrm>
-            <a:off x="504000" y="216000"/>
-            <a:ext cx="7019640" cy="935640"/>
+            <a:off x="504000" y="226080"/>
+            <a:ext cx="9072000" cy="946440"/>
           </a:xfrm>
           <a:prstGeom prst="rect">
             <a:avLst/>
@@ -2084,8 +2083,8 @@
         </p:nvSpPr>
         <p:spPr>
           <a:xfrm>
-            <a:off x="504000" y="1368000"/>
-            <a:ext cx="9071640" cy="3287880"/>
+            <a:off x="504000" y="1326600"/>
+            <a:ext cx="9072000" cy="3288600"/>
           </a:xfrm>
           <a:prstGeom prst="rect">
             <a:avLst/>
@@ -2137,8 +2136,8 @@
         </p:nvSpPr>
         <p:spPr>
           <a:xfrm>
-            <a:off x="504000" y="216000"/>
-            <a:ext cx="7019640" cy="935640"/>
+            <a:off x="504000" y="226080"/>
+            <a:ext cx="9072000" cy="946440"/>
           </a:xfrm>
           <a:prstGeom prst="rect">
             <a:avLst/>
@@ -2168,8 +2167,8 @@
         </p:nvSpPr>
         <p:spPr>
           <a:xfrm>
-            <a:off x="504000" y="1368000"/>
-            <a:ext cx="9071640" cy="3287880"/>
+            <a:off x="504000" y="1326600"/>
+            <a:ext cx="9072000" cy="3288600"/>
           </a:xfrm>
           <a:prstGeom prst="rect">
             <a:avLst/>
@@ -2220,8 +2219,8 @@
         </p:nvSpPr>
         <p:spPr>
           <a:xfrm>
-            <a:off x="504000" y="216000"/>
-            <a:ext cx="7019640" cy="935640"/>
+            <a:off x="504000" y="226080"/>
+            <a:ext cx="9072000" cy="946440"/>
           </a:xfrm>
           <a:prstGeom prst="rect">
             <a:avLst/>
@@ -2251,8 +2250,8 @@
         </p:nvSpPr>
         <p:spPr>
           <a:xfrm>
-            <a:off x="504000" y="1368000"/>
-            <a:ext cx="4426920" cy="3287880"/>
+            <a:off x="504000" y="1326600"/>
+            <a:ext cx="4426920" cy="3288600"/>
           </a:xfrm>
           <a:prstGeom prst="rect">
             <a:avLst/>
@@ -2281,8 +2280,8 @@
         </p:nvSpPr>
         <p:spPr>
           <a:xfrm>
-            <a:off x="5152680" y="1368000"/>
-            <a:ext cx="4426920" cy="3287880"/>
+            <a:off x="5152680" y="1326600"/>
+            <a:ext cx="4426920" cy="3288600"/>
           </a:xfrm>
           <a:prstGeom prst="rect">
             <a:avLst/>
@@ -2333,8 +2332,8 @@
         </p:nvSpPr>
         <p:spPr>
           <a:xfrm>
-            <a:off x="504000" y="216000"/>
-            <a:ext cx="7019640" cy="935640"/>
+            <a:off x="504000" y="226080"/>
+            <a:ext cx="9072000" cy="946440"/>
           </a:xfrm>
           <a:prstGeom prst="rect">
             <a:avLst/>
@@ -2386,8 +2385,8 @@
         </p:nvSpPr>
         <p:spPr>
           <a:xfrm>
-            <a:off x="504000" y="216000"/>
-            <a:ext cx="7019640" cy="935640"/>
+            <a:off x="504000" y="226080"/>
+            <a:ext cx="9072000" cy="946440"/>
           </a:xfrm>
           <a:prstGeom prst="rect">
             <a:avLst/>
@@ -2417,8 +2416,8 @@
         </p:nvSpPr>
         <p:spPr>
           <a:xfrm>
-            <a:off x="504000" y="1368000"/>
-            <a:ext cx="9071640" cy="3287880"/>
+            <a:off x="504000" y="1326600"/>
+            <a:ext cx="9072000" cy="3288600"/>
           </a:xfrm>
           <a:prstGeom prst="rect">
             <a:avLst/>
@@ -2469,8 +2468,8 @@
         </p:nvSpPr>
         <p:spPr>
           <a:xfrm>
-            <a:off x="504000" y="216000"/>
-            <a:ext cx="7019640" cy="4338360"/>
+            <a:off x="504000" y="226080"/>
+            <a:ext cx="9072000" cy="4388400"/>
           </a:xfrm>
           <a:prstGeom prst="rect">
             <a:avLst/>
@@ -2522,8 +2521,8 @@
         </p:nvSpPr>
         <p:spPr>
           <a:xfrm>
-            <a:off x="504000" y="216000"/>
-            <a:ext cx="7019640" cy="935640"/>
+            <a:off x="504000" y="226080"/>
+            <a:ext cx="9072000" cy="946440"/>
           </a:xfrm>
           <a:prstGeom prst="rect">
             <a:avLst/>
@@ -2553,8 +2552,8 @@
         </p:nvSpPr>
         <p:spPr>
           <a:xfrm>
-            <a:off x="504000" y="1368000"/>
-            <a:ext cx="4426920" cy="1568160"/>
+            <a:off x="504000" y="1326600"/>
+            <a:ext cx="4426920" cy="1568520"/>
           </a:xfrm>
           <a:prstGeom prst="rect">
             <a:avLst/>
@@ -2583,8 +2582,8 @@
         </p:nvSpPr>
         <p:spPr>
           <a:xfrm>
-            <a:off x="5152680" y="1368000"/>
-            <a:ext cx="4426920" cy="3287880"/>
+            <a:off x="5152680" y="1326600"/>
+            <a:ext cx="4426920" cy="3288600"/>
           </a:xfrm>
           <a:prstGeom prst="rect">
             <a:avLst/>
@@ -2613,8 +2612,8 @@
         </p:nvSpPr>
         <p:spPr>
           <a:xfrm>
-            <a:off x="504000" y="3085560"/>
-            <a:ext cx="4426920" cy="1568160"/>
+            <a:off x="504000" y="3044520"/>
+            <a:ext cx="4426920" cy="1568520"/>
           </a:xfrm>
           <a:prstGeom prst="rect">
             <a:avLst/>
@@ -2665,8 +2664,8 @@
         </p:nvSpPr>
         <p:spPr>
           <a:xfrm>
-            <a:off x="504000" y="216000"/>
-            <a:ext cx="7019640" cy="935640"/>
+            <a:off x="504000" y="226080"/>
+            <a:ext cx="9072000" cy="946440"/>
           </a:xfrm>
           <a:prstGeom prst="rect">
             <a:avLst/>
@@ -2696,8 +2695,8 @@
         </p:nvSpPr>
         <p:spPr>
           <a:xfrm>
-            <a:off x="504000" y="1368000"/>
-            <a:ext cx="4426920" cy="3287880"/>
+            <a:off x="504000" y="1326600"/>
+            <a:ext cx="4426920" cy="3288600"/>
           </a:xfrm>
           <a:prstGeom prst="rect">
             <a:avLst/>
@@ -2726,8 +2725,8 @@
         </p:nvSpPr>
         <p:spPr>
           <a:xfrm>
-            <a:off x="5152680" y="1368000"/>
-            <a:ext cx="4426920" cy="1568160"/>
+            <a:off x="5152680" y="1326600"/>
+            <a:ext cx="4426920" cy="1568520"/>
           </a:xfrm>
           <a:prstGeom prst="rect">
             <a:avLst/>
@@ -2756,8 +2755,8 @@
         </p:nvSpPr>
         <p:spPr>
           <a:xfrm>
-            <a:off x="5152680" y="3085560"/>
-            <a:ext cx="4426920" cy="1568160"/>
+            <a:off x="5152680" y="3044520"/>
+            <a:ext cx="4426920" cy="1568520"/>
           </a:xfrm>
           <a:prstGeom prst="rect">
             <a:avLst/>
@@ -2808,8 +2807,8 @@
         </p:nvSpPr>
         <p:spPr>
           <a:xfrm>
-            <a:off x="504000" y="216000"/>
-            <a:ext cx="7019640" cy="935640"/>
+            <a:off x="504000" y="226080"/>
+            <a:ext cx="9072000" cy="946440"/>
           </a:xfrm>
           <a:prstGeom prst="rect">
             <a:avLst/>
@@ -2839,8 +2838,8 @@
         </p:nvSpPr>
         <p:spPr>
           <a:xfrm>
-            <a:off x="504000" y="1368000"/>
-            <a:ext cx="4426920" cy="1568160"/>
+            <a:off x="504000" y="1326600"/>
+            <a:ext cx="4426920" cy="1568520"/>
           </a:xfrm>
           <a:prstGeom prst="rect">
             <a:avLst/>
@@ -2869,8 +2868,8 @@
         </p:nvSpPr>
         <p:spPr>
           <a:xfrm>
-            <a:off x="5152680" y="1368000"/>
-            <a:ext cx="4426920" cy="1568160"/>
+            <a:off x="5152680" y="1326600"/>
+            <a:ext cx="4426920" cy="1568520"/>
           </a:xfrm>
           <a:prstGeom prst="rect">
             <a:avLst/>
@@ -2899,8 +2898,8 @@
         </p:nvSpPr>
         <p:spPr>
           <a:xfrm>
-            <a:off x="504000" y="3085560"/>
-            <a:ext cx="9071640" cy="1568160"/>
+            <a:off x="504000" y="3044520"/>
+            <a:ext cx="9072000" cy="1568520"/>
           </a:xfrm>
           <a:prstGeom prst="rect">
             <a:avLst/>
@@ -2951,8 +2950,8 @@
         </p:nvSpPr>
         <p:spPr>
           <a:xfrm>
-            <a:off x="504000" y="216000"/>
-            <a:ext cx="7019640" cy="935640"/>
+            <a:off x="504000" y="226080"/>
+            <a:ext cx="9072000" cy="946440"/>
           </a:xfrm>
           <a:prstGeom prst="rect">
             <a:avLst/>
@@ -2982,8 +2981,8 @@
         </p:nvSpPr>
         <p:spPr>
           <a:xfrm>
-            <a:off x="504000" y="1368000"/>
-            <a:ext cx="9071640" cy="1568160"/>
+            <a:off x="504000" y="1326600"/>
+            <a:ext cx="9072000" cy="1568520"/>
           </a:xfrm>
           <a:prstGeom prst="rect">
             <a:avLst/>
@@ -3012,8 +3011,8 @@
         </p:nvSpPr>
         <p:spPr>
           <a:xfrm>
-            <a:off x="504000" y="3085560"/>
-            <a:ext cx="9071640" cy="1568160"/>
+            <a:off x="504000" y="3044520"/>
+            <a:ext cx="9072000" cy="1568520"/>
           </a:xfrm>
           <a:prstGeom prst="rect">
             <a:avLst/>
@@ -3064,8 +3063,8 @@
         </p:nvSpPr>
         <p:spPr>
           <a:xfrm>
-            <a:off x="504000" y="216000"/>
-            <a:ext cx="7019640" cy="935640"/>
+            <a:off x="504000" y="226080"/>
+            <a:ext cx="9072000" cy="946440"/>
           </a:xfrm>
           <a:prstGeom prst="rect">
             <a:avLst/>
@@ -3095,8 +3094,8 @@
         </p:nvSpPr>
         <p:spPr>
           <a:xfrm>
-            <a:off x="504000" y="1368000"/>
-            <a:ext cx="4426920" cy="1568160"/>
+            <a:off x="504000" y="1326600"/>
+            <a:ext cx="4426920" cy="1568520"/>
           </a:xfrm>
           <a:prstGeom prst="rect">
             <a:avLst/>
@@ -3125,8 +3124,8 @@
         </p:nvSpPr>
         <p:spPr>
           <a:xfrm>
-            <a:off x="5152680" y="1368000"/>
-            <a:ext cx="4426920" cy="1568160"/>
+            <a:off x="5152680" y="1326600"/>
+            <a:ext cx="4426920" cy="1568520"/>
           </a:xfrm>
           <a:prstGeom prst="rect">
             <a:avLst/>
@@ -3155,8 +3154,8 @@
         </p:nvSpPr>
         <p:spPr>
           <a:xfrm>
-            <a:off x="504000" y="3085560"/>
-            <a:ext cx="4426920" cy="1568160"/>
+            <a:off x="504000" y="3044520"/>
+            <a:ext cx="4426920" cy="1568520"/>
           </a:xfrm>
           <a:prstGeom prst="rect">
             <a:avLst/>
@@ -3185,8 +3184,8 @@
         </p:nvSpPr>
         <p:spPr>
           <a:xfrm>
-            <a:off x="5152680" y="3085560"/>
-            <a:ext cx="4426920" cy="1568160"/>
+            <a:off x="5152680" y="3044520"/>
+            <a:ext cx="4426920" cy="1568520"/>
           </a:xfrm>
           <a:prstGeom prst="rect">
             <a:avLst/>
@@ -3237,8 +3236,8 @@
         </p:nvSpPr>
         <p:spPr>
           <a:xfrm>
-            <a:off x="504000" y="216000"/>
-            <a:ext cx="7019640" cy="935640"/>
+            <a:off x="504000" y="226080"/>
+            <a:ext cx="9072000" cy="946440"/>
           </a:xfrm>
           <a:prstGeom prst="rect">
             <a:avLst/>
@@ -3268,8 +3267,8 @@
         </p:nvSpPr>
         <p:spPr>
           <a:xfrm>
-            <a:off x="504000" y="1368000"/>
-            <a:ext cx="2920680" cy="1568160"/>
+            <a:off x="504000" y="1326600"/>
+            <a:ext cx="2921040" cy="1568520"/>
           </a:xfrm>
           <a:prstGeom prst="rect">
             <a:avLst/>
@@ -3298,8 +3297,8 @@
         </p:nvSpPr>
         <p:spPr>
           <a:xfrm>
-            <a:off x="3571200" y="1368000"/>
-            <a:ext cx="2920680" cy="1568160"/>
+            <a:off x="3571560" y="1326600"/>
+            <a:ext cx="2921040" cy="1568520"/>
           </a:xfrm>
           <a:prstGeom prst="rect">
             <a:avLst/>
@@ -3328,8 +3327,8 @@
         </p:nvSpPr>
         <p:spPr>
           <a:xfrm>
-            <a:off x="6638040" y="1368000"/>
-            <a:ext cx="2920680" cy="1568160"/>
+            <a:off x="6639120" y="1326600"/>
+            <a:ext cx="2921040" cy="1568520"/>
           </a:xfrm>
           <a:prstGeom prst="rect">
             <a:avLst/>
@@ -3358,8 +3357,8 @@
         </p:nvSpPr>
         <p:spPr>
           <a:xfrm>
-            <a:off x="504000" y="3085560"/>
-            <a:ext cx="2920680" cy="1568160"/>
+            <a:off x="504000" y="3044520"/>
+            <a:ext cx="2921040" cy="1568520"/>
           </a:xfrm>
           <a:prstGeom prst="rect">
             <a:avLst/>
@@ -3388,8 +3387,8 @@
         </p:nvSpPr>
         <p:spPr>
           <a:xfrm>
-            <a:off x="3571200" y="3085560"/>
-            <a:ext cx="2920680" cy="1568160"/>
+            <a:off x="3571560" y="3044520"/>
+            <a:ext cx="2921040" cy="1568520"/>
           </a:xfrm>
           <a:prstGeom prst="rect">
             <a:avLst/>
@@ -3418,8 +3417,8 @@
         </p:nvSpPr>
         <p:spPr>
           <a:xfrm>
-            <a:off x="6638040" y="3085560"/>
-            <a:ext cx="2920680" cy="1568160"/>
+            <a:off x="6639120" y="3044520"/>
+            <a:ext cx="2921040" cy="1568520"/>
           </a:xfrm>
           <a:prstGeom prst="rect">
             <a:avLst/>
@@ -3470,8 +3469,8 @@
         </p:nvSpPr>
         <p:spPr>
           <a:xfrm>
-            <a:off x="504000" y="216000"/>
-            <a:ext cx="7019640" cy="935640"/>
+            <a:off x="504000" y="226080"/>
+            <a:ext cx="9072000" cy="946440"/>
           </a:xfrm>
           <a:prstGeom prst="rect">
             <a:avLst/>
@@ -3501,8 +3500,8 @@
         </p:nvSpPr>
         <p:spPr>
           <a:xfrm>
-            <a:off x="504000" y="1368000"/>
-            <a:ext cx="4426920" cy="3287880"/>
+            <a:off x="504000" y="1326600"/>
+            <a:ext cx="4426920" cy="3288600"/>
           </a:xfrm>
           <a:prstGeom prst="rect">
             <a:avLst/>
@@ -3531,8 +3530,8 @@
         </p:nvSpPr>
         <p:spPr>
           <a:xfrm>
-            <a:off x="5152680" y="1368000"/>
-            <a:ext cx="4426920" cy="3287880"/>
+            <a:off x="5152680" y="1326600"/>
+            <a:ext cx="4426920" cy="3288600"/>
           </a:xfrm>
           <a:prstGeom prst="rect">
             <a:avLst/>
@@ -3583,8 +3582,8 @@
         </p:nvSpPr>
         <p:spPr>
           <a:xfrm>
-            <a:off x="504000" y="216000"/>
-            <a:ext cx="7019640" cy="935640"/>
+            <a:off x="504000" y="226080"/>
+            <a:ext cx="9072000" cy="946440"/>
           </a:xfrm>
           <a:prstGeom prst="rect">
             <a:avLst/>
@@ -3636,8 +3635,8 @@
         </p:nvSpPr>
         <p:spPr>
           <a:xfrm>
-            <a:off x="504000" y="216000"/>
-            <a:ext cx="7019640" cy="4338360"/>
+            <a:off x="504000" y="226080"/>
+            <a:ext cx="9072000" cy="4388400"/>
           </a:xfrm>
           <a:prstGeom prst="rect">
             <a:avLst/>
@@ -3689,8 +3688,8 @@
         </p:nvSpPr>
         <p:spPr>
           <a:xfrm>
-            <a:off x="504000" y="216000"/>
-            <a:ext cx="7019640" cy="935640"/>
+            <a:off x="504000" y="226080"/>
+            <a:ext cx="9072000" cy="946440"/>
           </a:xfrm>
           <a:prstGeom prst="rect">
             <a:avLst/>
@@ -3720,8 +3719,8 @@
         </p:nvSpPr>
         <p:spPr>
           <a:xfrm>
-            <a:off x="504000" y="1368000"/>
-            <a:ext cx="4426920" cy="1568160"/>
+            <a:off x="504000" y="1326600"/>
+            <a:ext cx="4426920" cy="1568520"/>
           </a:xfrm>
           <a:prstGeom prst="rect">
             <a:avLst/>
@@ -3750,8 +3749,8 @@
         </p:nvSpPr>
         <p:spPr>
           <a:xfrm>
-            <a:off x="5152680" y="1368000"/>
-            <a:ext cx="4426920" cy="3287880"/>
+            <a:off x="5152680" y="1326600"/>
+            <a:ext cx="4426920" cy="3288600"/>
           </a:xfrm>
           <a:prstGeom prst="rect">
             <a:avLst/>
@@ -3780,8 +3779,8 @@
         </p:nvSpPr>
         <p:spPr>
           <a:xfrm>
-            <a:off x="504000" y="3085560"/>
-            <a:ext cx="4426920" cy="1568160"/>
+            <a:off x="504000" y="3044520"/>
+            <a:ext cx="4426920" cy="1568520"/>
           </a:xfrm>
           <a:prstGeom prst="rect">
             <a:avLst/>
@@ -3832,8 +3831,8 @@
         </p:nvSpPr>
         <p:spPr>
           <a:xfrm>
-            <a:off x="504000" y="216000"/>
-            <a:ext cx="7019640" cy="935640"/>
+            <a:off x="504000" y="226080"/>
+            <a:ext cx="9072000" cy="946440"/>
           </a:xfrm>
           <a:prstGeom prst="rect">
             <a:avLst/>
@@ -3863,8 +3862,8 @@
         </p:nvSpPr>
         <p:spPr>
           <a:xfrm>
-            <a:off x="504000" y="1368000"/>
-            <a:ext cx="4426920" cy="3287880"/>
+            <a:off x="504000" y="1326600"/>
+            <a:ext cx="4426920" cy="3288600"/>
           </a:xfrm>
           <a:prstGeom prst="rect">
             <a:avLst/>
@@ -3893,8 +3892,8 @@
         </p:nvSpPr>
         <p:spPr>
           <a:xfrm>
-            <a:off x="5152680" y="1368000"/>
-            <a:ext cx="4426920" cy="1568160"/>
+            <a:off x="5152680" y="1326600"/>
+            <a:ext cx="4426920" cy="1568520"/>
           </a:xfrm>
           <a:prstGeom prst="rect">
             <a:avLst/>
@@ -3923,8 +3922,8 @@
         </p:nvSpPr>
         <p:spPr>
           <a:xfrm>
-            <a:off x="5152680" y="3085560"/>
-            <a:ext cx="4426920" cy="1568160"/>
+            <a:off x="5152680" y="3044520"/>
+            <a:ext cx="4426920" cy="1568520"/>
           </a:xfrm>
           <a:prstGeom prst="rect">
             <a:avLst/>
@@ -3975,8 +3974,8 @@
         </p:nvSpPr>
         <p:spPr>
           <a:xfrm>
-            <a:off x="504000" y="216000"/>
-            <a:ext cx="7019640" cy="935640"/>
+            <a:off x="504000" y="226080"/>
+            <a:ext cx="9072000" cy="946440"/>
           </a:xfrm>
           <a:prstGeom prst="rect">
             <a:avLst/>
@@ -4006,8 +4005,8 @@
         </p:nvSpPr>
         <p:spPr>
           <a:xfrm>
-            <a:off x="504000" y="1368000"/>
-            <a:ext cx="4426920" cy="1568160"/>
+            <a:off x="504000" y="1326600"/>
+            <a:ext cx="4426920" cy="1568520"/>
           </a:xfrm>
           <a:prstGeom prst="rect">
             <a:avLst/>
@@ -4036,8 +4035,8 @@
         </p:nvSpPr>
         <p:spPr>
           <a:xfrm>
-            <a:off x="5152680" y="1368000"/>
-            <a:ext cx="4426920" cy="1568160"/>
+            <a:off x="5152680" y="1326600"/>
+            <a:ext cx="4426920" cy="1568520"/>
           </a:xfrm>
           <a:prstGeom prst="rect">
             <a:avLst/>
@@ -4066,8 +4065,8 @@
         </p:nvSpPr>
         <p:spPr>
           <a:xfrm>
-            <a:off x="504000" y="3085560"/>
-            <a:ext cx="9071640" cy="1568160"/>
+            <a:off x="504000" y="3044520"/>
+            <a:ext cx="9072000" cy="1568520"/>
           </a:xfrm>
           <a:prstGeom prst="rect">
             <a:avLst/>
@@ -4119,7 +4118,7 @@
         <p:spPr>
           <a:xfrm>
             <a:off x="-58320" y="81000"/>
-            <a:ext cx="7794000" cy="1205280"/>
+            <a:ext cx="7793640" cy="1204920"/>
           </a:xfrm>
           <a:prstGeom prst="rect">
             <a:avLst/>
@@ -4142,7 +4141,7 @@
         <p:spPr>
           <a:xfrm>
             <a:off x="504000" y="216000"/>
-            <a:ext cx="7019640" cy="935640"/>
+            <a:ext cx="7019280" cy="935280"/>
           </a:xfrm>
           <a:prstGeom prst="rect">
             <a:avLst/>
@@ -4178,8 +4177,8 @@
         </p:nvSpPr>
         <p:spPr>
           <a:xfrm>
-            <a:off x="504000" y="1326600"/>
-            <a:ext cx="9072000" cy="3288600"/>
+            <a:off x="504000" y="1368000"/>
+            <a:ext cx="9071280" cy="3287520"/>
           </a:xfrm>
           <a:prstGeom prst="rect">
             <a:avLst/>
@@ -4190,7 +4189,7 @@
             <a:normAutofit/>
           </a:bodyPr>
           <a:p>
-            <a:pPr marL="432000" indent="-324000">
+            <a:pPr marL="432000" indent="-324000" algn="ctr">
               <a:spcBef>
                 <a:spcPts val="1417"/>
               </a:spcBef>
@@ -4202,17 +4201,17 @@
               <a:buChar char=""/>
             </a:pPr>
             <a:r>
-              <a:rPr b="0" lang="en-US" sz="3200" spc="-1" strike="noStrike">
+              <a:rPr b="0" lang="en-US" sz="1800" spc="-1" strike="noStrike">
                 <a:latin typeface="Arial"/>
               </a:rPr>
               <a:t>Click to edit the outline text format</a:t>
             </a:r>
-            <a:endParaRPr b="0" lang="en-US" sz="3200" spc="-1" strike="noStrike">
-              <a:latin typeface="Arial"/>
-            </a:endParaRPr>
-          </a:p>
-          <a:p>
-            <a:pPr lvl="1" marL="864000" indent="-324000">
+            <a:endParaRPr b="0" lang="en-US" sz="1800" spc="-1" strike="noStrike">
+              <a:latin typeface="Arial"/>
+            </a:endParaRPr>
+          </a:p>
+          <a:p>
+            <a:pPr lvl="1" marL="864000" indent="-324000" algn="ctr">
               <a:spcBef>
                 <a:spcPts val="1134"/>
               </a:spcBef>
@@ -4224,17 +4223,17 @@
               <a:buChar char=""/>
             </a:pPr>
             <a:r>
-              <a:rPr b="0" lang="en-US" sz="2800" spc="-1" strike="noStrike">
+              <a:rPr b="0" lang="en-US" sz="1800" spc="-1" strike="noStrike">
                 <a:latin typeface="Arial"/>
               </a:rPr>
               <a:t>Second Outline Level</a:t>
             </a:r>
-            <a:endParaRPr b="0" lang="en-US" sz="2800" spc="-1" strike="noStrike">
-              <a:latin typeface="Arial"/>
-            </a:endParaRPr>
-          </a:p>
-          <a:p>
-            <a:pPr lvl="2" marL="1296000" indent="-288000">
+            <a:endParaRPr b="0" lang="en-US" sz="1800" spc="-1" strike="noStrike">
+              <a:latin typeface="Arial"/>
+            </a:endParaRPr>
+          </a:p>
+          <a:p>
+            <a:pPr lvl="2" marL="1296000" indent="-288000" algn="ctr">
               <a:spcBef>
                 <a:spcPts val="850"/>
               </a:spcBef>
@@ -4246,17 +4245,17 @@
               <a:buChar char=""/>
             </a:pPr>
             <a:r>
-              <a:rPr b="0" lang="en-US" sz="2400" spc="-1" strike="noStrike">
+              <a:rPr b="0" lang="en-US" sz="1800" spc="-1" strike="noStrike">
                 <a:latin typeface="Arial"/>
               </a:rPr>
               <a:t>Third Outline Level</a:t>
             </a:r>
-            <a:endParaRPr b="0" lang="en-US" sz="2400" spc="-1" strike="noStrike">
-              <a:latin typeface="Arial"/>
-            </a:endParaRPr>
-          </a:p>
-          <a:p>
-            <a:pPr lvl="3" marL="1728000" indent="-216000">
+            <a:endParaRPr b="0" lang="en-US" sz="1800" spc="-1" strike="noStrike">
+              <a:latin typeface="Arial"/>
+            </a:endParaRPr>
+          </a:p>
+          <a:p>
+            <a:pPr lvl="3" marL="1728000" indent="-216000" algn="ctr">
               <a:spcBef>
                 <a:spcPts val="567"/>
               </a:spcBef>
@@ -4268,17 +4267,17 @@
               <a:buChar char=""/>
             </a:pPr>
             <a:r>
-              <a:rPr b="0" lang="en-US" sz="2000" spc="-1" strike="noStrike">
+              <a:rPr b="0" lang="en-US" sz="1800" spc="-1" strike="noStrike">
                 <a:latin typeface="Arial"/>
               </a:rPr>
               <a:t>Fourth Outline Level</a:t>
             </a:r>
-            <a:endParaRPr b="0" lang="en-US" sz="2000" spc="-1" strike="noStrike">
-              <a:latin typeface="Arial"/>
-            </a:endParaRPr>
-          </a:p>
-          <a:p>
-            <a:pPr lvl="4" marL="2160000" indent="-216000">
+            <a:endParaRPr b="0" lang="en-US" sz="1800" spc="-1" strike="noStrike">
+              <a:latin typeface="Arial"/>
+            </a:endParaRPr>
+          </a:p>
+          <a:p>
+            <a:pPr lvl="4" marL="2160000" indent="-216000" algn="ctr">
               <a:spcBef>
                 <a:spcPts val="283"/>
               </a:spcBef>
@@ -4290,17 +4289,17 @@
               <a:buChar char=""/>
             </a:pPr>
             <a:r>
-              <a:rPr b="0" lang="en-US" sz="2000" spc="-1" strike="noStrike">
+              <a:rPr b="0" lang="en-US" sz="1800" spc="-1" strike="noStrike">
                 <a:latin typeface="Arial"/>
               </a:rPr>
               <a:t>Fifth Outline Level</a:t>
             </a:r>
-            <a:endParaRPr b="0" lang="en-US" sz="2000" spc="-1" strike="noStrike">
-              <a:latin typeface="Arial"/>
-            </a:endParaRPr>
-          </a:p>
-          <a:p>
-            <a:pPr lvl="5" marL="2592000" indent="-216000">
+            <a:endParaRPr b="0" lang="en-US" sz="1800" spc="-1" strike="noStrike">
+              <a:latin typeface="Arial"/>
+            </a:endParaRPr>
+          </a:p>
+          <a:p>
+            <a:pPr lvl="5" marL="2592000" indent="-216000" algn="ctr">
               <a:spcBef>
                 <a:spcPts val="283"/>
               </a:spcBef>
@@ -4312,17 +4311,17 @@
               <a:buChar char=""/>
             </a:pPr>
             <a:r>
-              <a:rPr b="0" lang="en-US" sz="2000" spc="-1" strike="noStrike">
+              <a:rPr b="0" lang="en-US" sz="1800" spc="-1" strike="noStrike">
                 <a:latin typeface="Arial"/>
               </a:rPr>
               <a:t>Sixth Outline Level</a:t>
             </a:r>
-            <a:endParaRPr b="0" lang="en-US" sz="2000" spc="-1" strike="noStrike">
-              <a:latin typeface="Arial"/>
-            </a:endParaRPr>
-          </a:p>
-          <a:p>
-            <a:pPr lvl="6" marL="3024000" indent="-216000">
+            <a:endParaRPr b="0" lang="en-US" sz="1800" spc="-1" strike="noStrike">
+              <a:latin typeface="Arial"/>
+            </a:endParaRPr>
+          </a:p>
+          <a:p>
+            <a:pPr lvl="6" marL="3024000" indent="-216000" algn="ctr">
               <a:spcBef>
                 <a:spcPts val="283"/>
               </a:spcBef>
@@ -4334,12 +4333,12 @@
               <a:buChar char=""/>
             </a:pPr>
             <a:r>
-              <a:rPr b="0" lang="en-US" sz="2000" spc="-1" strike="noStrike">
+              <a:rPr b="0" lang="en-US" sz="1800" spc="-1" strike="noStrike">
                 <a:latin typeface="Arial"/>
               </a:rPr>
               <a:t>Seventh Outline Level</a:t>
             </a:r>
-            <a:endParaRPr b="0" lang="en-US" sz="2000" spc="-1" strike="noStrike">
+            <a:endParaRPr b="0" lang="en-US" sz="1800" spc="-1" strike="noStrike">
               <a:latin typeface="Arial"/>
             </a:endParaRPr>
           </a:p>
@@ -4395,7 +4394,7 @@
         <p:spPr>
           <a:xfrm>
             <a:off x="-58320" y="81000"/>
-            <a:ext cx="7794000" cy="1205280"/>
+            <a:ext cx="7793640" cy="1204920"/>
           </a:xfrm>
           <a:prstGeom prst="rect">
             <a:avLst/>
@@ -4417,8 +4416,8 @@
         </p:nvSpPr>
         <p:spPr>
           <a:xfrm>
-            <a:off x="504000" y="216000"/>
-            <a:ext cx="7019640" cy="935640"/>
+            <a:off x="504000" y="226080"/>
+            <a:ext cx="9072000" cy="946440"/>
           </a:xfrm>
           <a:prstGeom prst="rect">
             <a:avLst/>
@@ -4431,12 +4430,12 @@
           <a:p>
             <a:pPr algn="ctr"/>
             <a:r>
-              <a:rPr b="0" lang="en-US" sz="1800" spc="-1" strike="noStrike">
+              <a:rPr b="0" lang="en-US" sz="4400" spc="-1" strike="noStrike">
                 <a:latin typeface="Arial"/>
               </a:rPr>
               <a:t>Click to edit the title text format</a:t>
             </a:r>
-            <a:endParaRPr b="0" lang="en-US" sz="1800" spc="-1" strike="noStrike">
+            <a:endParaRPr b="0" lang="en-US" sz="4400" spc="-1" strike="noStrike">
               <a:latin typeface="Arial"/>
             </a:endParaRPr>
           </a:p>
@@ -4454,8 +4453,8 @@
         </p:nvSpPr>
         <p:spPr>
           <a:xfrm>
-            <a:off x="504000" y="1368000"/>
-            <a:ext cx="9071640" cy="3287880"/>
+            <a:off x="504000" y="1326600"/>
+            <a:ext cx="9072000" cy="3288600"/>
           </a:xfrm>
           <a:prstGeom prst="rect">
             <a:avLst/>
@@ -4466,7 +4465,7 @@
             <a:normAutofit/>
           </a:bodyPr>
           <a:p>
-            <a:pPr marL="432000" indent="-324000" algn="ctr">
+            <a:pPr marL="432000" indent="-324000">
               <a:spcBef>
                 <a:spcPts val="1417"/>
               </a:spcBef>
@@ -4478,17 +4477,17 @@
               <a:buChar char=""/>
             </a:pPr>
             <a:r>
-              <a:rPr b="0" lang="en-US" sz="1800" spc="-1" strike="noStrike">
+              <a:rPr b="0" lang="en-US" sz="3200" spc="-1" strike="noStrike">
                 <a:latin typeface="Arial"/>
               </a:rPr>
               <a:t>Click to edit the outline text format</a:t>
             </a:r>
-            <a:endParaRPr b="0" lang="en-US" sz="1800" spc="-1" strike="noStrike">
-              <a:latin typeface="Arial"/>
-            </a:endParaRPr>
-          </a:p>
-          <a:p>
-            <a:pPr lvl="1" marL="864000" indent="-324000" algn="ctr">
+            <a:endParaRPr b="0" lang="en-US" sz="3200" spc="-1" strike="noStrike">
+              <a:latin typeface="Arial"/>
+            </a:endParaRPr>
+          </a:p>
+          <a:p>
+            <a:pPr lvl="1" marL="864000" indent="-324000">
               <a:spcBef>
                 <a:spcPts val="1134"/>
               </a:spcBef>
@@ -4500,17 +4499,17 @@
               <a:buChar char=""/>
             </a:pPr>
             <a:r>
-              <a:rPr b="0" lang="en-US" sz="1800" spc="-1" strike="noStrike">
+              <a:rPr b="0" lang="en-US" sz="2800" spc="-1" strike="noStrike">
                 <a:latin typeface="Arial"/>
               </a:rPr>
               <a:t>Second Outline Level</a:t>
             </a:r>
-            <a:endParaRPr b="0" lang="en-US" sz="1800" spc="-1" strike="noStrike">
-              <a:latin typeface="Arial"/>
-            </a:endParaRPr>
-          </a:p>
-          <a:p>
-            <a:pPr lvl="2" marL="1296000" indent="-288000" algn="ctr">
+            <a:endParaRPr b="0" lang="en-US" sz="2800" spc="-1" strike="noStrike">
+              <a:latin typeface="Arial"/>
+            </a:endParaRPr>
+          </a:p>
+          <a:p>
+            <a:pPr lvl="2" marL="1296000" indent="-288000">
               <a:spcBef>
                 <a:spcPts val="850"/>
               </a:spcBef>
@@ -4522,17 +4521,17 @@
               <a:buChar char=""/>
             </a:pPr>
             <a:r>
-              <a:rPr b="0" lang="en-US" sz="1800" spc="-1" strike="noStrike">
+              <a:rPr b="0" lang="en-US" sz="2400" spc="-1" strike="noStrike">
                 <a:latin typeface="Arial"/>
               </a:rPr>
               <a:t>Third Outline Level</a:t>
             </a:r>
-            <a:endParaRPr b="0" lang="en-US" sz="1800" spc="-1" strike="noStrike">
-              <a:latin typeface="Arial"/>
-            </a:endParaRPr>
-          </a:p>
-          <a:p>
-            <a:pPr lvl="3" marL="1728000" indent="-216000" algn="ctr">
+            <a:endParaRPr b="0" lang="en-US" sz="2400" spc="-1" strike="noStrike">
+              <a:latin typeface="Arial"/>
+            </a:endParaRPr>
+          </a:p>
+          <a:p>
+            <a:pPr lvl="3" marL="1728000" indent="-216000">
               <a:spcBef>
                 <a:spcPts val="567"/>
               </a:spcBef>
@@ -4544,17 +4543,17 @@
               <a:buChar char=""/>
             </a:pPr>
             <a:r>
-              <a:rPr b="0" lang="en-US" sz="1800" spc="-1" strike="noStrike">
+              <a:rPr b="0" lang="en-US" sz="2000" spc="-1" strike="noStrike">
                 <a:latin typeface="Arial"/>
               </a:rPr>
               <a:t>Fourth Outline Level</a:t>
             </a:r>
-            <a:endParaRPr b="0" lang="en-US" sz="1800" spc="-1" strike="noStrike">
-              <a:latin typeface="Arial"/>
-            </a:endParaRPr>
-          </a:p>
-          <a:p>
-            <a:pPr lvl="4" marL="2160000" indent="-216000" algn="ctr">
+            <a:endParaRPr b="0" lang="en-US" sz="2000" spc="-1" strike="noStrike">
+              <a:latin typeface="Arial"/>
+            </a:endParaRPr>
+          </a:p>
+          <a:p>
+            <a:pPr lvl="4" marL="2160000" indent="-216000">
               <a:spcBef>
                 <a:spcPts val="283"/>
               </a:spcBef>
@@ -4566,17 +4565,17 @@
               <a:buChar char=""/>
             </a:pPr>
             <a:r>
-              <a:rPr b="0" lang="en-US" sz="1800" spc="-1" strike="noStrike">
+              <a:rPr b="0" lang="en-US" sz="2000" spc="-1" strike="noStrike">
                 <a:latin typeface="Arial"/>
               </a:rPr>
               <a:t>Fifth Outline Level</a:t>
             </a:r>
-            <a:endParaRPr b="0" lang="en-US" sz="1800" spc="-1" strike="noStrike">
-              <a:latin typeface="Arial"/>
-            </a:endParaRPr>
-          </a:p>
-          <a:p>
-            <a:pPr lvl="5" marL="2592000" indent="-216000" algn="ctr">
+            <a:endParaRPr b="0" lang="en-US" sz="2000" spc="-1" strike="noStrike">
+              <a:latin typeface="Arial"/>
+            </a:endParaRPr>
+          </a:p>
+          <a:p>
+            <a:pPr lvl="5" marL="2592000" indent="-216000">
               <a:spcBef>
                 <a:spcPts val="283"/>
               </a:spcBef>
@@ -4588,17 +4587,17 @@
               <a:buChar char=""/>
             </a:pPr>
             <a:r>
-              <a:rPr b="0" lang="en-US" sz="1800" spc="-1" strike="noStrike">
+              <a:rPr b="0" lang="en-US" sz="2000" spc="-1" strike="noStrike">
                 <a:latin typeface="Arial"/>
               </a:rPr>
               <a:t>Sixth Outline Level</a:t>
             </a:r>
-            <a:endParaRPr b="0" lang="en-US" sz="1800" spc="-1" strike="noStrike">
-              <a:latin typeface="Arial"/>
-            </a:endParaRPr>
-          </a:p>
-          <a:p>
-            <a:pPr lvl="6" marL="3024000" indent="-216000" algn="ctr">
+            <a:endParaRPr b="0" lang="en-US" sz="2000" spc="-1" strike="noStrike">
+              <a:latin typeface="Arial"/>
+            </a:endParaRPr>
+          </a:p>
+          <a:p>
+            <a:pPr lvl="6" marL="3024000" indent="-216000">
               <a:spcBef>
                 <a:spcPts val="283"/>
               </a:spcBef>
@@ -4610,12 +4609,12 @@
               <a:buChar char=""/>
             </a:pPr>
             <a:r>
-              <a:rPr b="0" lang="en-US" sz="1800" spc="-1" strike="noStrike">
+              <a:rPr b="0" lang="en-US" sz="2000" spc="-1" strike="noStrike">
                 <a:latin typeface="Arial"/>
               </a:rPr>
               <a:t>Seventh Outline Level</a:t>
             </a:r>
-            <a:endParaRPr b="0" lang="en-US" sz="1800" spc="-1" strike="noStrike">
+            <a:endParaRPr b="0" lang="en-US" sz="2000" spc="-1" strike="noStrike">
               <a:latin typeface="Arial"/>
             </a:endParaRPr>
           </a:p>
@@ -4671,7 +4670,7 @@
         <p:spPr>
           <a:xfrm>
             <a:off x="-58320" y="81000"/>
-            <a:ext cx="7794000" cy="1205280"/>
+            <a:ext cx="7793640" cy="1204920"/>
           </a:xfrm>
           <a:prstGeom prst="rect">
             <a:avLst/>
@@ -4943,7 +4942,7 @@
         <p:spPr>
           <a:xfrm>
             <a:off x="504000" y="177840"/>
-            <a:ext cx="7085160" cy="1012320"/>
+            <a:ext cx="7084800" cy="1011960"/>
           </a:xfrm>
           <a:prstGeom prst="rect">
             <a:avLst/>
@@ -4975,6 +4974,7 @@
                   <a:srgbClr val="ffffff"/>
                 </a:solidFill>
                 <a:latin typeface="Arial"/>
+                <a:ea typeface="DejaVu Sans"/>
               </a:rPr>
               <a:t>Предсказание цены автомобиля</a:t>
             </a:r>
@@ -4993,7 +4993,7 @@
         <p:spPr>
           <a:xfrm>
             <a:off x="504000" y="1368000"/>
-            <a:ext cx="9071640" cy="3287880"/>
+            <a:ext cx="9071280" cy="3287520"/>
           </a:xfrm>
           <a:prstGeom prst="rect">
             <a:avLst/>
@@ -5012,14 +5012,14 @@
       </p:sp>
       <p:sp>
         <p:nvSpPr>
-          <p:cNvPr id="119" name="TextShape 3"/>
-          <p:cNvSpPr txBox="1"/>
+          <p:cNvPr id="119" name="CustomShape 3"/>
+          <p:cNvSpPr/>
           <p:nvPr/>
         </p:nvSpPr>
         <p:spPr>
           <a:xfrm>
             <a:off x="504000" y="1554480"/>
-            <a:ext cx="8274240" cy="3507480"/>
+            <a:ext cx="8273880" cy="3507120"/>
           </a:xfrm>
           <a:prstGeom prst="rect">
             <a:avLst/>
@@ -5029,6 +5029,12 @@
             <a:noFill/>
           </a:ln>
         </p:spPr>
+        <p:style>
+          <a:lnRef idx="0"/>
+          <a:fillRef idx="0"/>
+          <a:effectRef idx="0"/>
+          <a:fontRef idx="minor"/>
+        </p:style>
         <p:txBody>
           <a:bodyPr lIns="90000" rIns="90000" tIns="45000" bIns="45000">
             <a:noAutofit/>
@@ -5062,7 +5068,7 @@
             </a:endParaRPr>
           </a:p>
           <a:p>
-            <a:pPr marL="91440">
+            <a:pPr marL="91440" indent="-216000">
               <a:lnSpc>
                 <a:spcPct val="150000"/>
               </a:lnSpc>
@@ -5090,7 +5096,7 @@
             </a:endParaRPr>
           </a:p>
           <a:p>
-            <a:pPr marL="91440">
+            <a:pPr marL="91440" indent="-216000">
               <a:lnSpc>
                 <a:spcPct val="150000"/>
               </a:lnSpc>
@@ -5118,7 +5124,7 @@
             </a:endParaRPr>
           </a:p>
           <a:p>
-            <a:pPr marL="91440">
+            <a:pPr marL="91440" indent="-216000">
               <a:lnSpc>
                 <a:spcPct val="150000"/>
               </a:lnSpc>
@@ -5146,7 +5152,7 @@
             </a:endParaRPr>
           </a:p>
           <a:p>
-            <a:pPr marL="91440">
+            <a:pPr marL="91440" indent="-216000">
               <a:lnSpc>
                 <a:spcPct val="150000"/>
               </a:lnSpc>
@@ -5174,7 +5180,7 @@
             </a:endParaRPr>
           </a:p>
           <a:p>
-            <a:pPr marL="91440">
+            <a:pPr marL="91440" indent="-216000">
               <a:lnSpc>
                 <a:spcPct val="150000"/>
               </a:lnSpc>
@@ -5242,7 +5248,7 @@
         <p:spPr>
           <a:xfrm>
             <a:off x="504000" y="216000"/>
-            <a:ext cx="7019640" cy="935640"/>
+            <a:ext cx="7019280" cy="935280"/>
           </a:xfrm>
           <a:prstGeom prst="rect">
             <a:avLst/>
@@ -5274,6 +5280,7 @@
                   <a:srgbClr val="ffffff"/>
                 </a:solidFill>
                 <a:latin typeface="Arial"/>
+                <a:ea typeface="DejaVu Sans"/>
               </a:rPr>
               <a:t>Подготовка данных</a:t>
             </a:r>
@@ -5292,7 +5299,7 @@
         <p:spPr>
           <a:xfrm>
             <a:off x="504000" y="1368000"/>
-            <a:ext cx="9071640" cy="3287880"/>
+            <a:ext cx="9071280" cy="3287520"/>
           </a:xfrm>
           <a:prstGeom prst="rect">
             <a:avLst/>
@@ -5313,7 +5320,7 @@
             <a:normAutofit/>
           </a:bodyPr>
           <a:p>
-            <a:pPr marL="432000" indent="-323640">
+            <a:pPr marL="432000" indent="-323280">
               <a:lnSpc>
                 <a:spcPct val="100000"/>
               </a:lnSpc>
@@ -5329,7 +5336,11 @@
             </a:pPr>
             <a:r>
               <a:rPr b="0" lang="en-US" sz="2600" spc="-1" strike="noStrike">
-                <a:latin typeface="Arial"/>
+                <a:solidFill>
+                  <a:srgbClr val="000000"/>
+                </a:solidFill>
+                <a:latin typeface="Arial"/>
+                <a:ea typeface="DejaVu Sans"/>
               </a:rPr>
               <a:t>Заполнение пропусков в пробеге и состоянии средним по году</a:t>
             </a:r>
@@ -5338,7 +5349,7 @@
             </a:endParaRPr>
           </a:p>
           <a:p>
-            <a:pPr marL="432000" indent="-323640">
+            <a:pPr marL="432000" indent="-323280">
               <a:lnSpc>
                 <a:spcPct val="100000"/>
               </a:lnSpc>
@@ -5354,7 +5365,11 @@
             </a:pPr>
             <a:r>
               <a:rPr b="0" lang="en-US" sz="2600" spc="-1" strike="noStrike">
-                <a:latin typeface="Arial"/>
+                <a:solidFill>
+                  <a:srgbClr val="000000"/>
+                </a:solidFill>
+                <a:latin typeface="Arial"/>
+                <a:ea typeface="DejaVu Sans"/>
               </a:rPr>
               <a:t>Приведение названий к верхнему регистру</a:t>
             </a:r>
@@ -5363,7 +5378,7 @@
             </a:endParaRPr>
           </a:p>
           <a:p>
-            <a:pPr marL="432000" indent="-323640">
+            <a:pPr marL="432000" indent="-323280">
               <a:lnSpc>
                 <a:spcPct val="100000"/>
               </a:lnSpc>
@@ -5379,7 +5394,11 @@
             </a:pPr>
             <a:r>
               <a:rPr b="0" lang="en-US" sz="2600" spc="-1" strike="noStrike">
-                <a:latin typeface="Arial"/>
+                <a:solidFill>
+                  <a:srgbClr val="000000"/>
+                </a:solidFill>
+                <a:latin typeface="Arial"/>
+                <a:ea typeface="DejaVu Sans"/>
               </a:rPr>
               <a:t>Убираются пробелы в первых 10 символах, потом оставляется только первое слово</a:t>
             </a:r>
@@ -5388,7 +5407,7 @@
             </a:endParaRPr>
           </a:p>
           <a:p>
-            <a:pPr marL="432000" indent="-323640">
+            <a:pPr marL="432000" indent="-323280">
               <a:lnSpc>
                 <a:spcPct val="100000"/>
               </a:lnSpc>
@@ -5404,7 +5423,11 @@
             </a:pPr>
             <a:r>
               <a:rPr b="0" lang="en-US" sz="2600" spc="-1" strike="sngStrike">
-                <a:latin typeface="Arial"/>
+                <a:solidFill>
+                  <a:srgbClr val="000000"/>
+                </a:solidFill>
+                <a:latin typeface="Arial"/>
+                <a:ea typeface="DejaVu Sans"/>
               </a:rPr>
               <a:t>Вводится новый признак – квантиль цены .25 для продавца </a:t>
             </a:r>
@@ -5453,7 +5476,7 @@
         <p:spPr>
           <a:xfrm>
             <a:off x="504000" y="216000"/>
-            <a:ext cx="7019640" cy="935640"/>
+            <a:ext cx="7019280" cy="935280"/>
           </a:xfrm>
           <a:prstGeom prst="rect">
             <a:avLst/>
@@ -5485,6 +5508,7 @@
                   <a:srgbClr val="ffffff"/>
                 </a:solidFill>
                 <a:latin typeface="Arial"/>
+                <a:ea typeface="DejaVu Sans"/>
               </a:rPr>
               <a:t>Выбор модели</a:t>
             </a:r>
@@ -5503,7 +5527,7 @@
         <p:spPr>
           <a:xfrm>
             <a:off x="914400" y="1892880"/>
-            <a:ext cx="1882440" cy="877320"/>
+            <a:ext cx="1882080" cy="876960"/>
           </a:xfrm>
           <a:prstGeom prst="rect">
             <a:avLst/>
@@ -5541,6 +5565,7 @@
                   <a:srgbClr val="2a6099"/>
                 </a:solidFill>
                 <a:latin typeface="Arial"/>
+                <a:ea typeface="DejaVu Sans"/>
               </a:rPr>
               <a:t>OrdinalEncoder </a:t>
             </a:r>
@@ -5559,7 +5584,7 @@
         <p:spPr>
           <a:xfrm>
             <a:off x="3657600" y="1865520"/>
-            <a:ext cx="1919880" cy="877320"/>
+            <a:ext cx="1919520" cy="876960"/>
           </a:xfrm>
           <a:prstGeom prst="rect">
             <a:avLst/>
@@ -5597,6 +5622,7 @@
                   <a:srgbClr val="e0c2cd"/>
                 </a:solidFill>
                 <a:latin typeface="Arial"/>
+                <a:ea typeface="DejaVu Sans"/>
               </a:rPr>
               <a:t>RandomForest </a:t>
             </a:r>
@@ -5616,6 +5642,7 @@
                   <a:srgbClr val="e0c2cd"/>
                 </a:solidFill>
                 <a:latin typeface="Arial"/>
+                <a:ea typeface="DejaVu Sans"/>
               </a:rPr>
               <a:t>Regressor </a:t>
             </a:r>
@@ -5634,7 +5661,7 @@
         <p:spPr>
           <a:xfrm>
             <a:off x="956160" y="4242960"/>
-            <a:ext cx="1878120" cy="877320"/>
+            <a:ext cx="1877760" cy="876960"/>
           </a:xfrm>
           <a:prstGeom prst="rect">
             <a:avLst/>
@@ -5672,6 +5699,7 @@
                   <a:srgbClr val="2a6099"/>
                 </a:solidFill>
                 <a:latin typeface="Arial"/>
+                <a:ea typeface="DejaVu Sans"/>
               </a:rPr>
               <a:t>CatBoost </a:t>
             </a:r>
@@ -5691,6 +5719,7 @@
                   <a:srgbClr val="2a6099"/>
                 </a:solidFill>
                 <a:latin typeface="Arial"/>
+                <a:ea typeface="DejaVu Sans"/>
               </a:rPr>
               <a:t>Encoder </a:t>
             </a:r>
@@ -5709,7 +5738,7 @@
         <p:spPr>
           <a:xfrm>
             <a:off x="914400" y="3108960"/>
-            <a:ext cx="1919880" cy="877320"/>
+            <a:ext cx="1919520" cy="876960"/>
           </a:xfrm>
           <a:prstGeom prst="rect">
             <a:avLst/>
@@ -5747,6 +5776,7 @@
                   <a:srgbClr val="2a6099"/>
                 </a:solidFill>
                 <a:latin typeface="Arial"/>
+                <a:ea typeface="DejaVu Sans"/>
               </a:rPr>
               <a:t>TargetEncoder </a:t>
             </a:r>
@@ -5765,7 +5795,7 @@
         <p:spPr>
           <a:xfrm>
             <a:off x="3657600" y="3108960"/>
-            <a:ext cx="1919880" cy="877320"/>
+            <a:ext cx="1919520" cy="876960"/>
           </a:xfrm>
           <a:prstGeom prst="rect">
             <a:avLst/>
@@ -5803,6 +5833,7 @@
                   <a:srgbClr val="2a6099"/>
                 </a:solidFill>
                 <a:latin typeface="Arial"/>
+                <a:ea typeface="DejaVu Sans"/>
               </a:rPr>
               <a:t>RandomForest </a:t>
             </a:r>
@@ -5822,6 +5853,7 @@
                   <a:srgbClr val="2a6099"/>
                 </a:solidFill>
                 <a:latin typeface="Arial"/>
+                <a:ea typeface="DejaVu Sans"/>
               </a:rPr>
               <a:t>Regressor </a:t>
             </a:r>
@@ -5840,7 +5872,7 @@
         <p:spPr>
           <a:xfrm>
             <a:off x="3657600" y="1865520"/>
-            <a:ext cx="1919880" cy="877320"/>
+            <a:ext cx="1919520" cy="876960"/>
           </a:xfrm>
           <a:prstGeom prst="rect">
             <a:avLst/>
@@ -5878,6 +5910,7 @@
                   <a:srgbClr val="e0c2cd"/>
                 </a:solidFill>
                 <a:latin typeface="Arial"/>
+                <a:ea typeface="DejaVu Sans"/>
               </a:rPr>
               <a:t>RandomForest </a:t>
             </a:r>
@@ -5897,6 +5930,7 @@
                   <a:srgbClr val="e0c2cd"/>
                 </a:solidFill>
                 <a:latin typeface="Arial"/>
+                <a:ea typeface="DejaVu Sans"/>
               </a:rPr>
               <a:t>Regressor </a:t>
             </a:r>
@@ -5915,7 +5949,7 @@
         <p:spPr>
           <a:xfrm>
             <a:off x="3657600" y="1865520"/>
-            <a:ext cx="1919880" cy="877320"/>
+            <a:ext cx="1919520" cy="876960"/>
           </a:xfrm>
           <a:prstGeom prst="rect">
             <a:avLst/>
@@ -5953,6 +5987,7 @@
                   <a:srgbClr val="e0c2cd"/>
                 </a:solidFill>
                 <a:latin typeface="Arial"/>
+                <a:ea typeface="DejaVu Sans"/>
               </a:rPr>
               <a:t>RandomForest </a:t>
             </a:r>
@@ -5972,6 +6007,7 @@
                   <a:srgbClr val="e0c2cd"/>
                 </a:solidFill>
                 <a:latin typeface="Arial"/>
+                <a:ea typeface="DejaVu Sans"/>
               </a:rPr>
               <a:t>Regressor </a:t>
             </a:r>
@@ -5990,7 +6026,7 @@
         <p:spPr>
           <a:xfrm>
             <a:off x="3657600" y="4297680"/>
-            <a:ext cx="1919880" cy="877320"/>
+            <a:ext cx="1919520" cy="876960"/>
           </a:xfrm>
           <a:prstGeom prst="rect">
             <a:avLst/>
@@ -6028,6 +6064,7 @@
                   <a:srgbClr val="2a6099"/>
                 </a:solidFill>
                 <a:latin typeface="Arial"/>
+                <a:ea typeface="DejaVu Sans"/>
               </a:rPr>
               <a:t>CatBoost Regressor</a:t>
             </a:r>
@@ -6046,7 +6083,7 @@
         <p:spPr>
           <a:xfrm>
             <a:off x="3657600" y="1865520"/>
-            <a:ext cx="1919880" cy="877320"/>
+            <a:ext cx="1919520" cy="876960"/>
           </a:xfrm>
           <a:prstGeom prst="rect">
             <a:avLst/>
@@ -6084,6 +6121,7 @@
                   <a:srgbClr val="2a6099"/>
                 </a:solidFill>
                 <a:latin typeface="Arial"/>
+                <a:ea typeface="DejaVu Sans"/>
               </a:rPr>
               <a:t>RandomForest </a:t>
             </a:r>
@@ -6103,6 +6141,7 @@
                   <a:srgbClr val="2a6099"/>
                 </a:solidFill>
                 <a:latin typeface="Arial"/>
+                <a:ea typeface="DejaVu Sans"/>
               </a:rPr>
               <a:t>Regressor </a:t>
             </a:r>
@@ -6121,7 +6160,7 @@
         <p:spPr>
           <a:xfrm>
             <a:off x="6492240" y="1920600"/>
-            <a:ext cx="731160" cy="639720"/>
+            <a:ext cx="730800" cy="639360"/>
           </a:xfrm>
           <a:prstGeom prst="ellipse">
             <a:avLst/>
@@ -6178,7 +6217,7 @@
         <p:spPr>
           <a:xfrm>
             <a:off x="6492240" y="3017520"/>
-            <a:ext cx="731160" cy="731160"/>
+            <a:ext cx="730800" cy="730800"/>
           </a:xfrm>
           <a:prstGeom prst="ellipse">
             <a:avLst/>
@@ -6235,7 +6274,7 @@
         <p:spPr>
           <a:xfrm>
             <a:off x="6492240" y="4297680"/>
-            <a:ext cx="731160" cy="639720"/>
+            <a:ext cx="730800" cy="639360"/>
           </a:xfrm>
           <a:prstGeom prst="ellipse">
             <a:avLst/>
@@ -6496,7 +6535,7 @@
         <p:spPr>
           <a:xfrm>
             <a:off x="504000" y="216000"/>
-            <a:ext cx="7019640" cy="935640"/>
+            <a:ext cx="7019280" cy="935280"/>
           </a:xfrm>
           <a:prstGeom prst="rect">
             <a:avLst/>
@@ -6528,6 +6567,7 @@
                   <a:srgbClr val="ffffff"/>
                 </a:solidFill>
                 <a:latin typeface="Arial"/>
+                <a:ea typeface="DejaVu Sans"/>
               </a:rPr>
               <a:t>Анализ признаков </a:t>
             </a:r>
@@ -6546,7 +6586,7 @@
         <p:spPr>
           <a:xfrm>
             <a:off x="182880" y="1463040"/>
-            <a:ext cx="9071640" cy="3287880"/>
+            <a:ext cx="9071280" cy="3287520"/>
           </a:xfrm>
           <a:prstGeom prst="rect">
             <a:avLst/>
@@ -6567,7 +6607,7 @@
             <a:normAutofit/>
           </a:bodyPr>
           <a:p>
-            <a:pPr marL="432000" indent="-323640">
+            <a:pPr marL="432000" indent="-323280">
               <a:lnSpc>
                 <a:spcPct val="100000"/>
               </a:lnSpc>
@@ -6583,7 +6623,11 @@
             </a:pPr>
             <a:r>
               <a:rPr b="0" lang="en-US" sz="2600" spc="-1" strike="noStrike">
-                <a:latin typeface="Arial"/>
+                <a:solidFill>
+                  <a:srgbClr val="000000"/>
+                </a:solidFill>
+                <a:latin typeface="Arial"/>
+                <a:ea typeface="DejaVu Sans"/>
               </a:rPr>
               <a:t> </a:t>
             </a:r>
@@ -6606,7 +6650,7 @@
         <p:spPr>
           <a:xfrm>
             <a:off x="1463040" y="1554480"/>
-            <a:ext cx="6000120" cy="2742840"/>
+            <a:ext cx="5999760" cy="2742480"/>
           </a:xfrm>
           <a:prstGeom prst="rect">
             <a:avLst/>
@@ -6648,14 +6692,14 @@
       </p:grpSpPr>
       <p:sp>
         <p:nvSpPr>
-          <p:cNvPr id="144" name="TextShape 1"/>
-          <p:cNvSpPr txBox="1"/>
+          <p:cNvPr id="144" name="CustomShape 1"/>
+          <p:cNvSpPr/>
           <p:nvPr/>
         </p:nvSpPr>
         <p:spPr>
           <a:xfrm>
             <a:off x="504000" y="216000"/>
-            <a:ext cx="7019640" cy="935640"/>
+            <a:ext cx="7019280" cy="935280"/>
           </a:xfrm>
           <a:prstGeom prst="rect">
             <a:avLst/>
@@ -6665,12 +6709,22 @@
             <a:noFill/>
           </a:ln>
         </p:spPr>
+        <p:style>
+          <a:lnRef idx="0"/>
+          <a:fillRef idx="0"/>
+          <a:effectRef idx="0"/>
+          <a:fontRef idx="minor"/>
+        </p:style>
         <p:txBody>
           <a:bodyPr lIns="0" rIns="0" tIns="0" bIns="0" anchor="ctr">
             <a:noAutofit/>
           </a:bodyPr>
           <a:p>
-            <a:pPr algn="ctr"/>
+            <a:pPr algn="ctr">
+              <a:lnSpc>
+                <a:spcPct val="100000"/>
+              </a:lnSpc>
+            </a:pPr>
             <a:r>
               <a:rPr b="0" lang="en-US" sz="4400" spc="-1" strike="noStrike">
                 <a:solidFill>
@@ -6681,24 +6735,21 @@
               <a:t>Ошибка на дешевых авто</a:t>
             </a:r>
             <a:endParaRPr b="0" lang="en-US" sz="4400" spc="-1" strike="noStrike">
-              <a:solidFill>
-                <a:srgbClr val="ffffff"/>
-              </a:solidFill>
-              <a:latin typeface="Arial"/>
-            </a:endParaRPr>
-          </a:p>
-        </p:txBody>
-      </p:sp>
-      <p:sp>
-        <p:nvSpPr>
-          <p:cNvPr id="145" name="TextShape 2"/>
-          <p:cNvSpPr txBox="1"/>
+              <a:latin typeface="Arial"/>
+            </a:endParaRPr>
+          </a:p>
+        </p:txBody>
+      </p:sp>
+      <p:sp>
+        <p:nvSpPr>
+          <p:cNvPr id="145" name="CustomShape 2"/>
+          <p:cNvSpPr/>
           <p:nvPr/>
         </p:nvSpPr>
         <p:spPr>
           <a:xfrm>
             <a:off x="548640" y="1645920"/>
-            <a:ext cx="8412480" cy="3546720"/>
+            <a:ext cx="8412120" cy="3546360"/>
           </a:xfrm>
           <a:prstGeom prst="rect">
             <a:avLst/>
@@ -6708,12 +6759,18 @@
             <a:noFill/>
           </a:ln>
         </p:spPr>
+        <p:style>
+          <a:lnRef idx="0"/>
+          <a:fillRef idx="0"/>
+          <a:effectRef idx="0"/>
+          <a:fontRef idx="minor"/>
+        </p:style>
         <p:txBody>
           <a:bodyPr lIns="90000" rIns="90000" tIns="45000" bIns="45000">
             <a:noAutofit/>
           </a:bodyPr>
           <a:p>
-            <a:pPr marL="73080">
+            <a:pPr marL="73080" indent="-216000">
               <a:lnSpc>
                 <a:spcPct val="200000"/>
               </a:lnSpc>
@@ -6741,7 +6798,7 @@
             </a:endParaRPr>
           </a:p>
           <a:p>
-            <a:pPr marL="73080">
+            <a:pPr marL="73080" indent="-216000">
               <a:lnSpc>
                 <a:spcPct val="200000"/>
               </a:lnSpc>
@@ -6769,7 +6826,7 @@
             </a:endParaRPr>
           </a:p>
           <a:p>
-            <a:pPr marL="73080">
+            <a:pPr marL="73080" indent="-216000">
               <a:lnSpc>
                 <a:spcPct val="200000"/>
               </a:lnSpc>
@@ -6797,6 +6854,11 @@
             </a:endParaRPr>
           </a:p>
           <a:p>
+            <a:pPr>
+              <a:lnSpc>
+                <a:spcPct val="100000"/>
+              </a:lnSpc>
+            </a:pPr>
             <a:endParaRPr b="0" lang="en-US" sz="1800" spc="-1" strike="noStrike">
               <a:latin typeface="Arial"/>
             </a:endParaRPr>
@@ -6842,7 +6904,7 @@
         <p:spPr>
           <a:xfrm>
             <a:off x="504000" y="216000"/>
-            <a:ext cx="7019640" cy="935640"/>
+            <a:ext cx="7019280" cy="935280"/>
           </a:xfrm>
           <a:prstGeom prst="rect">
             <a:avLst/>
@@ -6874,6 +6936,7 @@
                   <a:srgbClr val="ffffff"/>
                 </a:solidFill>
                 <a:latin typeface="Arial"/>
+                <a:ea typeface="DejaVu Sans"/>
               </a:rPr>
               <a:t>Достигнутый результат</a:t>
             </a:r>
@@ -6892,7 +6955,7 @@
         <p:spPr>
           <a:xfrm>
             <a:off x="504000" y="1368000"/>
-            <a:ext cx="9071640" cy="3287880"/>
+            <a:ext cx="9071280" cy="3287520"/>
           </a:xfrm>
           <a:prstGeom prst="rect">
             <a:avLst/>
@@ -6913,7 +6976,7 @@
             <a:normAutofit/>
           </a:bodyPr>
           <a:p>
-            <a:pPr marL="432000" indent="-323640">
+            <a:pPr marL="432000" indent="-323280">
               <a:lnSpc>
                 <a:spcPct val="100000"/>
               </a:lnSpc>
@@ -6929,7 +6992,11 @@
             </a:pPr>
             <a:r>
               <a:rPr b="0" lang="en-US" sz="2600" spc="-1" strike="noStrike">
-                <a:latin typeface="Arial"/>
+                <a:solidFill>
+                  <a:srgbClr val="000000"/>
+                </a:solidFill>
+                <a:latin typeface="Arial"/>
+                <a:ea typeface="DejaVu Sans"/>
               </a:rPr>
               <a:t>Leader Board – 15.8</a:t>
             </a:r>
@@ -6938,7 +7005,7 @@
             </a:endParaRPr>
           </a:p>
           <a:p>
-            <a:pPr marL="432000" indent="-323640">
+            <a:pPr marL="432000" indent="-323280">
               <a:lnSpc>
                 <a:spcPct val="100000"/>
               </a:lnSpc>
@@ -6954,7 +7021,11 @@
             </a:pPr>
             <a:r>
               <a:rPr b="0" lang="en-US" sz="2600" spc="-1" strike="noStrike">
-                <a:latin typeface="Arial"/>
+                <a:solidFill>
+                  <a:srgbClr val="000000"/>
+                </a:solidFill>
+                <a:latin typeface="Arial"/>
+                <a:ea typeface="DejaVu Sans"/>
               </a:rPr>
               <a:t>Crossvalidation -17.0</a:t>
             </a:r>
@@ -7003,7 +7074,7 @@
         <p:spPr>
           <a:xfrm>
             <a:off x="504000" y="216000"/>
-            <a:ext cx="7019640" cy="935640"/>
+            <a:ext cx="7019280" cy="935280"/>
           </a:xfrm>
           <a:prstGeom prst="rect">
             <a:avLst/>
@@ -7035,6 +7106,7 @@
                   <a:srgbClr val="ffffff"/>
                 </a:solidFill>
                 <a:latin typeface="Arial"/>
+                <a:ea typeface="DejaVu Sans"/>
               </a:rPr>
               <a:t>Организация кода</a:t>
             </a:r>
@@ -7053,7 +7125,7 @@
         <p:spPr>
           <a:xfrm>
             <a:off x="2651760" y="3200400"/>
-            <a:ext cx="1554120" cy="822600"/>
+            <a:ext cx="1553760" cy="822240"/>
           </a:xfrm>
           <a:prstGeom prst="rect">
             <a:avLst/>
@@ -7140,7 +7212,7 @@
         <p:spPr>
           <a:xfrm>
             <a:off x="4572000" y="3200400"/>
-            <a:ext cx="1554120" cy="822600"/>
+            <a:ext cx="1553760" cy="822240"/>
           </a:xfrm>
           <a:prstGeom prst="rect">
             <a:avLst/>
@@ -7227,7 +7299,7 @@
         <p:spPr>
           <a:xfrm>
             <a:off x="6858000" y="3200400"/>
-            <a:ext cx="1554120" cy="822600"/>
+            <a:ext cx="1553760" cy="822240"/>
           </a:xfrm>
           <a:prstGeom prst="rect">
             <a:avLst/>
@@ -7314,7 +7386,7 @@
         <p:spPr>
           <a:xfrm>
             <a:off x="274320" y="1828800"/>
-            <a:ext cx="1828440" cy="822600"/>
+            <a:ext cx="1828080" cy="822240"/>
           </a:xfrm>
           <a:prstGeom prst="rect">
             <a:avLst/>
@@ -7401,7 +7473,7 @@
         <p:spPr>
           <a:xfrm>
             <a:off x="2377440" y="1920240"/>
-            <a:ext cx="180360" cy="345960"/>
+            <a:ext cx="180000" cy="345600"/>
           </a:xfrm>
           <a:prstGeom prst="rect">
             <a:avLst/>
@@ -7427,7 +7499,7 @@
         <p:spPr>
           <a:xfrm>
             <a:off x="2649600" y="1828800"/>
-            <a:ext cx="1464840" cy="822600"/>
+            <a:ext cx="1464480" cy="822240"/>
           </a:xfrm>
           <a:prstGeom prst="rect">
             <a:avLst/>
@@ -7514,7 +7586,7 @@
         <p:spPr>
           <a:xfrm>
             <a:off x="4572000" y="1828800"/>
-            <a:ext cx="1554120" cy="822600"/>
+            <a:ext cx="1553760" cy="822240"/>
           </a:xfrm>
           <a:prstGeom prst="rect">
             <a:avLst/>
@@ -7591,7 +7663,7 @@
         <p:spPr>
           <a:xfrm>
             <a:off x="274320" y="3200400"/>
-            <a:ext cx="1919880" cy="822600"/>
+            <a:ext cx="1919520" cy="822240"/>
           </a:xfrm>
           <a:prstGeom prst="rect">
             <a:avLst/>
@@ -7678,7 +7750,7 @@
         <p:spPr>
           <a:xfrm>
             <a:off x="6858000" y="1828800"/>
-            <a:ext cx="1554120" cy="822600"/>
+            <a:ext cx="1553760" cy="822240"/>
           </a:xfrm>
           <a:prstGeom prst="rect">
             <a:avLst/>
@@ -7755,112 +7827,6 @@
             </a:endParaRPr>
           </a:p>
         </p:txBody>
-      </p:sp>
-    </p:spTree>
-  </p:cSld>
-  <mc:AlternateContent>
-    <mc:Choice Requires="p14">
-      <p:transition spd="slow" p14:dur="2000"/>
-    </mc:Choice>
-    <mc:Fallback>
-      <p:transition spd="slow"/>
-    </mc:Fallback>
-  </mc:AlternateContent>
-</p:sld>
-</file>
-
-<file path=ppt/slides/slide8.xml><?xml version="1.0" encoding="utf-8"?>
-<p:sld xmlns:a="http://schemas.openxmlformats.org/drawingml/2006/main" xmlns:p="http://schemas.openxmlformats.org/presentationml/2006/main" xmlns:r="http://schemas.openxmlformats.org/officeDocument/2006/relationships" xmlns:p14="http://schemas.microsoft.com/office/powerpoint/2010/main" xmlns:p15="http://schemas.microsoft.com/office/powerpoint/2012/main" xmlns:mc="http://schemas.openxmlformats.org/markup-compatibility/2006">
-  <p:cSld>
-    <p:spTree>
-      <p:nvGrpSpPr>
-        <p:cNvPr id="1" name=""/>
-        <p:cNvGrpSpPr/>
-        <p:nvPr/>
-      </p:nvGrpSpPr>
-      <p:grpSpPr>
-        <a:xfrm>
-          <a:off x="0" y="0"/>
-          <a:ext cx="0" cy="0"/>
-          <a:chOff x="0" y="0"/>
-          <a:chExt cx="0" cy="0"/>
-        </a:xfrm>
-      </p:grpSpPr>
-      <p:sp>
-        <p:nvSpPr>
-          <p:cNvPr id="158" name="CustomShape 1"/>
-          <p:cNvSpPr/>
-          <p:nvPr/>
-        </p:nvSpPr>
-        <p:spPr>
-          <a:xfrm>
-            <a:off x="504000" y="216000"/>
-            <a:ext cx="7019640" cy="935640"/>
-          </a:xfrm>
-          <a:prstGeom prst="rect">
-            <a:avLst/>
-          </a:prstGeom>
-          <a:noFill/>
-          <a:ln>
-            <a:noFill/>
-          </a:ln>
-        </p:spPr>
-        <p:style>
-          <a:lnRef idx="0"/>
-          <a:fillRef idx="0"/>
-          <a:effectRef idx="0"/>
-          <a:fontRef idx="minor"/>
-        </p:style>
-        <p:txBody>
-          <a:bodyPr lIns="0" rIns="0" tIns="0" bIns="0" anchor="ctr">
-            <a:noAutofit/>
-          </a:bodyPr>
-          <a:p>
-            <a:pPr>
-              <a:lnSpc>
-                <a:spcPct val="100000"/>
-              </a:lnSpc>
-            </a:pPr>
-            <a:r>
-              <a:rPr b="0" lang="en-US" sz="3570" spc="-1" strike="noStrike">
-                <a:solidFill>
-                  <a:srgbClr val="ffffff"/>
-                </a:solidFill>
-                <a:latin typeface="Arial"/>
-              </a:rPr>
-              <a:t>Выводы и перспективы</a:t>
-            </a:r>
-            <a:endParaRPr b="0" lang="en-US" sz="3570" spc="-1" strike="noStrike">
-              <a:latin typeface="Arial"/>
-            </a:endParaRPr>
-          </a:p>
-        </p:txBody>
-      </p:sp>
-      <p:sp>
-        <p:nvSpPr>
-          <p:cNvPr id="159" name="CustomShape 2"/>
-          <p:cNvSpPr/>
-          <p:nvPr/>
-        </p:nvSpPr>
-        <p:spPr>
-          <a:xfrm>
-            <a:off x="504000" y="1368000"/>
-            <a:ext cx="9071640" cy="3287880"/>
-          </a:xfrm>
-          <a:prstGeom prst="rect">
-            <a:avLst/>
-          </a:prstGeom>
-          <a:noFill/>
-          <a:ln>
-            <a:noFill/>
-          </a:ln>
-        </p:spPr>
-        <p:style>
-          <a:lnRef idx="0"/>
-          <a:fillRef idx="0"/>
-          <a:effectRef idx="0"/>
-          <a:fontRef idx="minor"/>
-        </p:style>
       </p:sp>
     </p:spTree>
   </p:cSld>
